--- a/otherclustering.pptx
+++ b/otherclustering.pptx
@@ -123,6 +123,11 @@
       </a:defRPr>
     </a:lvl9pPr>
   </p:defaultTextStyle>
+  <p:extLst>
+    <p:ext uri="{EFAFB233-063F-42B5-8137-9DF3F51BA10A}">
+      <p15:sldGuideLst xmlns:p15="http://schemas.microsoft.com/office/powerpoint/2012/main"/>
+    </p:ext>
+  </p:extLst>
 </p:presentation>
 </file>
 
@@ -208,7 +213,7 @@
           <a:p>
             <a:fld id="{257D73C0-40DD-3348-87D3-B86C6D71C3BC}" type="datetimeFigureOut">
               <a:rPr lang="en-US" smtClean="0"/>
-              <a:t>5/1/24</a:t>
+              <a:t>5/2/24</a:t>
             </a:fld>
             <a:endParaRPr lang="en-US"/>
           </a:p>
@@ -955,7 +960,7 @@
           <a:p>
             <a:fld id="{BFF7EBA2-1DDF-AF4F-91C1-BC4E2598CD67}" type="datetimeFigureOut">
               <a:rPr lang="en-US" smtClean="0"/>
-              <a:t>5/1/24</a:t>
+              <a:t>5/2/24</a:t>
             </a:fld>
             <a:endParaRPr lang="en-US"/>
           </a:p>
@@ -1153,7 +1158,7 @@
           <a:p>
             <a:fld id="{BFF7EBA2-1DDF-AF4F-91C1-BC4E2598CD67}" type="datetimeFigureOut">
               <a:rPr lang="en-US" smtClean="0"/>
-              <a:t>5/1/24</a:t>
+              <a:t>5/2/24</a:t>
             </a:fld>
             <a:endParaRPr lang="en-US"/>
           </a:p>
@@ -1361,7 +1366,7 @@
           <a:p>
             <a:fld id="{BFF7EBA2-1DDF-AF4F-91C1-BC4E2598CD67}" type="datetimeFigureOut">
               <a:rPr lang="en-US" smtClean="0"/>
-              <a:t>5/1/24</a:t>
+              <a:t>5/2/24</a:t>
             </a:fld>
             <a:endParaRPr lang="en-US"/>
           </a:p>
@@ -1559,7 +1564,7 @@
           <a:p>
             <a:fld id="{BFF7EBA2-1DDF-AF4F-91C1-BC4E2598CD67}" type="datetimeFigureOut">
               <a:rPr lang="en-US" smtClean="0"/>
-              <a:t>5/1/24</a:t>
+              <a:t>5/2/24</a:t>
             </a:fld>
             <a:endParaRPr lang="en-US"/>
           </a:p>
@@ -1834,7 +1839,7 @@
           <a:p>
             <a:fld id="{BFF7EBA2-1DDF-AF4F-91C1-BC4E2598CD67}" type="datetimeFigureOut">
               <a:rPr lang="en-US" smtClean="0"/>
-              <a:t>5/1/24</a:t>
+              <a:t>5/2/24</a:t>
             </a:fld>
             <a:endParaRPr lang="en-US"/>
           </a:p>
@@ -2099,7 +2104,7 @@
           <a:p>
             <a:fld id="{BFF7EBA2-1DDF-AF4F-91C1-BC4E2598CD67}" type="datetimeFigureOut">
               <a:rPr lang="en-US" smtClean="0"/>
-              <a:t>5/1/24</a:t>
+              <a:t>5/2/24</a:t>
             </a:fld>
             <a:endParaRPr lang="en-US"/>
           </a:p>
@@ -2511,7 +2516,7 @@
           <a:p>
             <a:fld id="{BFF7EBA2-1DDF-AF4F-91C1-BC4E2598CD67}" type="datetimeFigureOut">
               <a:rPr lang="en-US" smtClean="0"/>
-              <a:t>5/1/24</a:t>
+              <a:t>5/2/24</a:t>
             </a:fld>
             <a:endParaRPr lang="en-US"/>
           </a:p>
@@ -2652,7 +2657,7 @@
           <a:p>
             <a:fld id="{BFF7EBA2-1DDF-AF4F-91C1-BC4E2598CD67}" type="datetimeFigureOut">
               <a:rPr lang="en-US" smtClean="0"/>
-              <a:t>5/1/24</a:t>
+              <a:t>5/2/24</a:t>
             </a:fld>
             <a:endParaRPr lang="en-US"/>
           </a:p>
@@ -2765,7 +2770,7 @@
           <a:p>
             <a:fld id="{BFF7EBA2-1DDF-AF4F-91C1-BC4E2598CD67}" type="datetimeFigureOut">
               <a:rPr lang="en-US" smtClean="0"/>
-              <a:t>5/1/24</a:t>
+              <a:t>5/2/24</a:t>
             </a:fld>
             <a:endParaRPr lang="en-US"/>
           </a:p>
@@ -3076,7 +3081,7 @@
           <a:p>
             <a:fld id="{BFF7EBA2-1DDF-AF4F-91C1-BC4E2598CD67}" type="datetimeFigureOut">
               <a:rPr lang="en-US" smtClean="0"/>
-              <a:t>5/1/24</a:t>
+              <a:t>5/2/24</a:t>
             </a:fld>
             <a:endParaRPr lang="en-US"/>
           </a:p>
@@ -3364,7 +3369,7 @@
           <a:p>
             <a:fld id="{BFF7EBA2-1DDF-AF4F-91C1-BC4E2598CD67}" type="datetimeFigureOut">
               <a:rPr lang="en-US" smtClean="0"/>
-              <a:t>5/1/24</a:t>
+              <a:t>5/2/24</a:t>
             </a:fld>
             <a:endParaRPr lang="en-US"/>
           </a:p>
@@ -3605,7 +3610,7 @@
           <a:p>
             <a:fld id="{BFF7EBA2-1DDF-AF4F-91C1-BC4E2598CD67}" type="datetimeFigureOut">
               <a:rPr lang="en-US" smtClean="0"/>
-              <a:t>5/1/24</a:t>
+              <a:t>5/2/24</a:t>
             </a:fld>
             <a:endParaRPr lang="en-US"/>
           </a:p>
@@ -4546,6 +4551,49 @@
           </a:xfrm>
         </p:spPr>
       </p:pic>
+      <p:sp>
+        <p:nvSpPr>
+          <p:cNvPr id="2" name="TextBox 1">
+            <a:extLst>
+              <a:ext uri="{FF2B5EF4-FFF2-40B4-BE49-F238E27FC236}">
+                <a16:creationId xmlns:a16="http://schemas.microsoft.com/office/drawing/2014/main" id="{700FF93A-A9A0-9093-B69A-E8B4A7539D20}"/>
+              </a:ext>
+            </a:extLst>
+          </p:cNvPr>
+          <p:cNvSpPr txBox="1"/>
+          <p:nvPr/>
+        </p:nvSpPr>
+        <p:spPr>
+          <a:xfrm>
+            <a:off x="964276" y="2909455"/>
+            <a:ext cx="9892146" cy="646331"/>
+          </a:xfrm>
+          <a:prstGeom prst="rect">
+            <a:avLst/>
+          </a:prstGeom>
+          <a:noFill/>
+        </p:spPr>
+        <p:txBody>
+          <a:bodyPr wrap="square" rtlCol="0">
+            <a:spAutoFit/>
+          </a:bodyPr>
+          <a:lstStyle/>
+          <a:p>
+            <a:r>
+              <a:rPr lang="en-US" dirty="0"/>
+              <a:t>I wasn’t able to get results using this package for this, the next slide shows the results from using </a:t>
+            </a:r>
+            <a:r>
+              <a:rPr lang="en-US" dirty="0" err="1"/>
+              <a:t>hclust</a:t>
+            </a:r>
+            <a:r>
+              <a:rPr lang="en-US" dirty="0"/>
+              <a:t>()</a:t>
+            </a:r>
+          </a:p>
+        </p:txBody>
+      </p:sp>
     </p:spTree>
     <p:extLst>
       <p:ext uri="{BB962C8B-B14F-4D97-AF65-F5344CB8AC3E}">
@@ -5343,7 +5391,7 @@
         <p:spPr>
           <a:xfrm>
             <a:off x="625033" y="439838"/>
-            <a:ext cx="1446835" cy="646331"/>
+            <a:ext cx="1446835" cy="1477328"/>
           </a:xfrm>
           <a:prstGeom prst="rect">
             <a:avLst/>
@@ -5358,7 +5406,7 @@
           <a:p>
             <a:r>
               <a:rPr lang="en-US" dirty="0"/>
-              <a:t>Cutting tree at 2 clusters</a:t>
+              <a:t>Cutting tree at 2 clusters– not the best visual…</a:t>
             </a:r>
           </a:p>
         </p:txBody>
@@ -5512,6 +5560,18 @@
                 <a:latin typeface="+mj-lt"/>
               </a:rPr>
               <a:t>Mixtools</a:t>
+            </a:r>
+            <a:endParaRPr lang="en-US" sz="1800" dirty="0">
+              <a:latin typeface="+mj-lt"/>
+            </a:endParaRPr>
+          </a:p>
+          <a:p>
+            <a:pPr lvl="1"/>
+            <a:r>
+              <a:rPr lang="en-US" sz="1800" dirty="0" err="1">
+                <a:latin typeface="+mj-lt"/>
+              </a:rPr>
+              <a:t>Flexmix</a:t>
             </a:r>
             <a:endParaRPr lang="en-US" sz="1800" dirty="0">
               <a:latin typeface="+mj-lt"/>
